--- a/Web Design & Development/6. JavaScript Applications/03. Web Storages/Web-Storages.pptx
+++ b/Web Design & Development/6. JavaScript Applications/03. Web Storages/Web-Storages.pptx
@@ -5,7 +5,7 @@
     <p:sldMasterId id="2147483668" r:id="rId1"/>
   </p:sldMasterIdLst>
   <p:notesMasterIdLst>
-    <p:notesMasterId r:id="rId23"/>
+    <p:notesMasterId r:id="rId25"/>
   </p:notesMasterIdLst>
   <p:sldIdLst>
     <p:sldId id="256" r:id="rId2"/>
@@ -29,6 +29,8 @@
     <p:sldId id="319" r:id="rId20"/>
     <p:sldId id="320" r:id="rId21"/>
     <p:sldId id="289" r:id="rId22"/>
+    <p:sldId id="335" r:id="rId23"/>
+    <p:sldId id="336" r:id="rId24"/>
   </p:sldIdLst>
   <p:sldSz cx="9144000" cy="6858000" type="screen4x3"/>
   <p:notesSz cx="6858000" cy="9144000"/>
@@ -228,7 +230,7 @@
           <a:p>
             <a:fld id="{A5383012-DC3B-4A68-8FE0-1752B90BCD13}" type="datetimeFigureOut">
               <a:rPr lang="en-US" smtClean="0"/>
-              <a:t>04-Mar-14</a:t>
+              <a:t>17-Jul-14</a:t>
             </a:fld>
             <a:endParaRPr lang="en-US"/>
           </a:p>
@@ -11537,6 +11539,482 @@
 </p:sld>
 </file>
 
+<file path=ppt/slides/slide22.xml><?xml version="1.0" encoding="utf-8"?>
+<p:sld xmlns:a="http://schemas.openxmlformats.org/drawingml/2006/main" xmlns:r="http://schemas.openxmlformats.org/officeDocument/2006/relationships" xmlns:p="http://schemas.openxmlformats.org/presentationml/2006/main">
+  <p:cSld>
+    <p:spTree>
+      <p:nvGrpSpPr>
+        <p:cNvPr id="1" name=""/>
+        <p:cNvGrpSpPr/>
+        <p:nvPr/>
+      </p:nvGrpSpPr>
+      <p:grpSpPr>
+        <a:xfrm>
+          <a:off x="0" y="0"/>
+          <a:ext cx="0" cy="0"/>
+          <a:chOff x="0" y="0"/>
+          <a:chExt cx="0" cy="0"/>
+        </a:xfrm>
+      </p:grpSpPr>
+      <p:sp>
+        <p:nvSpPr>
+          <p:cNvPr id="4" name="Title 3"/>
+          <p:cNvSpPr>
+            <a:spLocks noGrp="1"/>
+          </p:cNvSpPr>
+          <p:nvPr>
+            <p:ph type="title"/>
+          </p:nvPr>
+        </p:nvSpPr>
+        <p:spPr/>
+        <p:txBody>
+          <a:bodyPr/>
+          <a:lstStyle/>
+          <a:p>
+            <a:r>
+              <a:rPr lang="en-US" dirty="0" smtClean="0"/>
+              <a:t>Homework</a:t>
+            </a:r>
+            <a:endParaRPr lang="en-US" dirty="0"/>
+          </a:p>
+        </p:txBody>
+      </p:sp>
+      <p:sp>
+        <p:nvSpPr>
+          <p:cNvPr id="5" name="Content Placeholder 4"/>
+          <p:cNvSpPr>
+            <a:spLocks noGrp="1"/>
+          </p:cNvSpPr>
+          <p:nvPr>
+            <p:ph idx="1"/>
+          </p:nvPr>
+        </p:nvSpPr>
+        <p:spPr>
+          <a:xfrm>
+            <a:off x="228600" y="838200"/>
+            <a:ext cx="8686800" cy="5791200"/>
+          </a:xfrm>
+        </p:spPr>
+        <p:txBody>
+          <a:bodyPr/>
+          <a:lstStyle/>
+          <a:p>
+            <a:pPr>
+              <a:lnSpc>
+                <a:spcPct val="100000"/>
+              </a:lnSpc>
+            </a:pPr>
+            <a:r>
+              <a:rPr lang="en-US" sz="2800" dirty="0" smtClean="0"/>
+              <a:t>Create a simple number guessing game</a:t>
+            </a:r>
+          </a:p>
+          <a:p>
+            <a:pPr lvl="1">
+              <a:lnSpc>
+                <a:spcPct val="100000"/>
+              </a:lnSpc>
+            </a:pPr>
+            <a:r>
+              <a:rPr lang="en-US" sz="2600" dirty="0" smtClean="0"/>
+              <a:t>The computer generates a random number with four different digits</a:t>
+            </a:r>
+          </a:p>
+          <a:p>
+            <a:pPr lvl="2">
+              <a:lnSpc>
+                <a:spcPct val="100000"/>
+              </a:lnSpc>
+            </a:pPr>
+            <a:r>
+              <a:rPr lang="en-US" sz="2400" dirty="0" smtClean="0"/>
+              <a:t>The leftmost digit must not be </a:t>
+            </a:r>
+            <a:r>
+              <a:rPr lang="en-US" sz="2400" dirty="0" smtClean="0">
+                <a:latin typeface="Consolas" panose="020B0609020204030204" pitchFamily="49" charset="0"/>
+                <a:cs typeface="Consolas" panose="020B0609020204030204" pitchFamily="49" charset="0"/>
+              </a:rPr>
+              <a:t>0</a:t>
+            </a:r>
+            <a:r>
+              <a:rPr lang="en-US" sz="2400" dirty="0" smtClean="0"/>
+              <a:t> (zero)</a:t>
+            </a:r>
+          </a:p>
+          <a:p>
+            <a:pPr lvl="2">
+              <a:lnSpc>
+                <a:spcPct val="100000"/>
+              </a:lnSpc>
+            </a:pPr>
+            <a:r>
+              <a:rPr lang="en-US" sz="2400" dirty="0" smtClean="0"/>
+              <a:t>For simplicity called </a:t>
+            </a:r>
+            <a:r>
+              <a:rPr lang="en-US" sz="2400" dirty="0" err="1" smtClean="0">
+                <a:solidFill>
+                  <a:schemeClr val="accent5">
+                    <a:lumMod val="20000"/>
+                    <a:lumOff val="80000"/>
+                  </a:schemeClr>
+                </a:solidFill>
+                <a:latin typeface="Consolas" panose="020B0609020204030204" pitchFamily="49" charset="0"/>
+                <a:cs typeface="Consolas" panose="020B0609020204030204" pitchFamily="49" charset="0"/>
+              </a:rPr>
+              <a:t>abcd</a:t>
+            </a:r>
+            <a:endParaRPr lang="en-US" sz="2400" dirty="0" smtClean="0">
+              <a:solidFill>
+                <a:schemeClr val="accent5">
+                  <a:lumMod val="20000"/>
+                  <a:lumOff val="80000"/>
+                </a:schemeClr>
+              </a:solidFill>
+              <a:latin typeface="Consolas" panose="020B0609020204030204" pitchFamily="49" charset="0"/>
+              <a:cs typeface="Consolas" panose="020B0609020204030204" pitchFamily="49" charset="0"/>
+            </a:endParaRPr>
+          </a:p>
+          <a:p>
+            <a:pPr lvl="1">
+              <a:lnSpc>
+                <a:spcPct val="100000"/>
+              </a:lnSpc>
+            </a:pPr>
+            <a:r>
+              <a:rPr lang="en-US" sz="2600" dirty="0" smtClean="0"/>
+              <a:t>At each turn the player enters a four-digit number</a:t>
+            </a:r>
+          </a:p>
+          <a:p>
+            <a:pPr lvl="2">
+              <a:lnSpc>
+                <a:spcPct val="100000"/>
+              </a:lnSpc>
+            </a:pPr>
+            <a:r>
+              <a:rPr lang="en-US" sz="2400" dirty="0" smtClean="0"/>
+              <a:t>For simplicity called </a:t>
+            </a:r>
+            <a:r>
+              <a:rPr lang="en-US" sz="2400" dirty="0" err="1" smtClean="0">
+                <a:solidFill>
+                  <a:schemeClr val="accent5">
+                    <a:lumMod val="20000"/>
+                    <a:lumOff val="80000"/>
+                  </a:schemeClr>
+                </a:solidFill>
+                <a:latin typeface="Consolas" panose="020B0609020204030204" pitchFamily="49" charset="0"/>
+                <a:cs typeface="Consolas" panose="020B0609020204030204" pitchFamily="49" charset="0"/>
+              </a:rPr>
+              <a:t>xyzw</a:t>
+            </a:r>
+            <a:endParaRPr lang="en-US" sz="2400" dirty="0" smtClean="0">
+              <a:solidFill>
+                <a:schemeClr val="accent5">
+                  <a:lumMod val="20000"/>
+                  <a:lumOff val="80000"/>
+                </a:schemeClr>
+              </a:solidFill>
+              <a:latin typeface="Consolas" panose="020B0609020204030204" pitchFamily="49" charset="0"/>
+              <a:cs typeface="Consolas" panose="020B0609020204030204" pitchFamily="49" charset="0"/>
+            </a:endParaRPr>
+          </a:p>
+          <a:p>
+            <a:pPr lvl="1">
+              <a:lnSpc>
+                <a:spcPct val="100000"/>
+              </a:lnSpc>
+            </a:pPr>
+            <a:r>
+              <a:rPr lang="en-US" sz="2600" dirty="0"/>
+              <a:t>When the game ends:</a:t>
+            </a:r>
+          </a:p>
+          <a:p>
+            <a:pPr lvl="2">
+              <a:lnSpc>
+                <a:spcPct val="100000"/>
+              </a:lnSpc>
+            </a:pPr>
+            <a:r>
+              <a:rPr lang="en-US" sz="2400" dirty="0"/>
+              <a:t>Ask the player for a nickname</a:t>
+            </a:r>
+          </a:p>
+          <a:p>
+            <a:pPr lvl="2">
+              <a:lnSpc>
+                <a:spcPct val="100000"/>
+              </a:lnSpc>
+            </a:pPr>
+            <a:r>
+              <a:rPr lang="en-US" sz="2400" dirty="0"/>
+              <a:t>Save the nickname inside the </a:t>
+            </a:r>
+            <a:r>
+              <a:rPr lang="en-US" sz="2400" dirty="0" err="1"/>
+              <a:t>localStorage</a:t>
+            </a:r>
+            <a:endParaRPr lang="en-US" sz="2400" dirty="0"/>
+          </a:p>
+          <a:p>
+            <a:pPr lvl="1">
+              <a:lnSpc>
+                <a:spcPct val="100000"/>
+              </a:lnSpc>
+            </a:pPr>
+            <a:r>
+              <a:rPr lang="en-US" sz="2600" dirty="0"/>
+              <a:t>Implement a high-score </a:t>
+            </a:r>
+            <a:r>
+              <a:rPr lang="en-US" sz="2600" dirty="0" smtClean="0"/>
+              <a:t>list</a:t>
+            </a:r>
+            <a:endParaRPr lang="en-US" sz="2600" dirty="0" smtClean="0">
+              <a:solidFill>
+                <a:schemeClr val="accent5">
+                  <a:lumMod val="20000"/>
+                  <a:lumOff val="80000"/>
+                </a:schemeClr>
+              </a:solidFill>
+              <a:latin typeface="Consolas" panose="020B0609020204030204" pitchFamily="49" charset="0"/>
+              <a:cs typeface="Consolas" panose="020B0609020204030204" pitchFamily="49" charset="0"/>
+            </a:endParaRPr>
+          </a:p>
+        </p:txBody>
+      </p:sp>
+    </p:spTree>
+    <p:extLst>
+      <p:ext uri="{BB962C8B-B14F-4D97-AF65-F5344CB8AC3E}">
+        <p14:creationId xmlns:p14="http://schemas.microsoft.com/office/powerpoint/2010/main" val="86097418"/>
+      </p:ext>
+    </p:extLst>
+  </p:cSld>
+  <p:clrMapOvr>
+    <a:masterClrMapping/>
+  </p:clrMapOvr>
+</p:sld>
+</file>
+
+<file path=ppt/slides/slide23.xml><?xml version="1.0" encoding="utf-8"?>
+<p:sld xmlns:a="http://schemas.openxmlformats.org/drawingml/2006/main" xmlns:r="http://schemas.openxmlformats.org/officeDocument/2006/relationships" xmlns:p="http://schemas.openxmlformats.org/presentationml/2006/main">
+  <p:cSld>
+    <p:spTree>
+      <p:nvGrpSpPr>
+        <p:cNvPr id="1" name=""/>
+        <p:cNvGrpSpPr/>
+        <p:nvPr/>
+      </p:nvGrpSpPr>
+      <p:grpSpPr>
+        <a:xfrm>
+          <a:off x="0" y="0"/>
+          <a:ext cx="0" cy="0"/>
+          <a:chOff x="0" y="0"/>
+          <a:chExt cx="0" cy="0"/>
+        </a:xfrm>
+      </p:grpSpPr>
+      <p:sp>
+        <p:nvSpPr>
+          <p:cNvPr id="4" name="Title 3"/>
+          <p:cNvSpPr>
+            <a:spLocks noGrp="1"/>
+          </p:cNvSpPr>
+          <p:nvPr>
+            <p:ph type="title"/>
+          </p:nvPr>
+        </p:nvSpPr>
+        <p:spPr/>
+        <p:txBody>
+          <a:bodyPr/>
+          <a:lstStyle/>
+          <a:p>
+            <a:r>
+              <a:rPr lang="en-US" dirty="0" smtClean="0"/>
+              <a:t>Homework (2)</a:t>
+            </a:r>
+            <a:endParaRPr lang="en-US" dirty="0"/>
+          </a:p>
+        </p:txBody>
+      </p:sp>
+      <p:sp>
+        <p:nvSpPr>
+          <p:cNvPr id="5" name="Content Placeholder 4"/>
+          <p:cNvSpPr>
+            <a:spLocks noGrp="1"/>
+          </p:cNvSpPr>
+          <p:nvPr>
+            <p:ph idx="1"/>
+          </p:nvPr>
+        </p:nvSpPr>
+        <p:spPr>
+          <a:xfrm>
+            <a:off x="228600" y="990600"/>
+            <a:ext cx="8686800" cy="5791200"/>
+          </a:xfrm>
+        </p:spPr>
+        <p:txBody>
+          <a:bodyPr/>
+          <a:lstStyle/>
+          <a:p>
+            <a:pPr>
+              <a:lnSpc>
+                <a:spcPct val="100000"/>
+              </a:lnSpc>
+            </a:pPr>
+            <a:r>
+              <a:rPr lang="en-US" sz="2800" dirty="0" smtClean="0"/>
+              <a:t>(cont.) Create a simple number guessing game</a:t>
+            </a:r>
+          </a:p>
+          <a:p>
+            <a:pPr lvl="1">
+              <a:lnSpc>
+                <a:spcPct val="100000"/>
+              </a:lnSpc>
+            </a:pPr>
+            <a:r>
+              <a:rPr lang="en-US" sz="2600" dirty="0">
+                <a:solidFill>
+                  <a:schemeClr val="accent5">
+                    <a:lumMod val="20000"/>
+                    <a:lumOff val="80000"/>
+                  </a:schemeClr>
+                </a:solidFill>
+                <a:latin typeface="Consolas" panose="020B0609020204030204" pitchFamily="49" charset="0"/>
+                <a:cs typeface="Consolas" panose="020B0609020204030204" pitchFamily="49" charset="0"/>
+              </a:rPr>
+              <a:t>Sheep</a:t>
+            </a:r>
+            <a:r>
+              <a:rPr lang="en-US" sz="2600" dirty="0"/>
+              <a:t> means that a digit from </a:t>
+            </a:r>
+            <a:r>
+              <a:rPr lang="en-US" sz="2600" dirty="0" err="1"/>
+              <a:t>xyzw</a:t>
+            </a:r>
+            <a:r>
+              <a:rPr lang="en-US" sz="2600" dirty="0"/>
+              <a:t> is contained in </a:t>
+            </a:r>
+            <a:r>
+              <a:rPr lang="en-US" sz="2600" dirty="0" err="1"/>
+              <a:t>abcd</a:t>
+            </a:r>
+            <a:r>
+              <a:rPr lang="en-US" sz="2600" dirty="0"/>
+              <a:t>, but not on the same position</a:t>
+            </a:r>
+          </a:p>
+          <a:p>
+            <a:pPr lvl="2">
+              <a:lnSpc>
+                <a:spcPct val="100000"/>
+              </a:lnSpc>
+            </a:pPr>
+            <a:r>
+              <a:rPr lang="en-US" sz="2400" dirty="0"/>
+              <a:t>If two such digits exists, the sheep are </a:t>
+            </a:r>
+            <a:r>
+              <a:rPr lang="en-US" sz="2400" dirty="0">
+                <a:latin typeface="Consolas" panose="020B0609020204030204" pitchFamily="49" charset="0"/>
+                <a:cs typeface="Consolas" panose="020B0609020204030204" pitchFamily="49" charset="0"/>
+              </a:rPr>
+              <a:t>2</a:t>
+            </a:r>
+            <a:endParaRPr lang="en-US" sz="2400" dirty="0"/>
+          </a:p>
+          <a:p>
+            <a:pPr lvl="1">
+              <a:lnSpc>
+                <a:spcPct val="100000"/>
+              </a:lnSpc>
+            </a:pPr>
+            <a:r>
+              <a:rPr lang="en-US" sz="2600" dirty="0"/>
+              <a:t>Ram means that a digit from </a:t>
+            </a:r>
+            <a:r>
+              <a:rPr lang="en-US" sz="2600" dirty="0" err="1"/>
+              <a:t>xyzw</a:t>
+            </a:r>
+            <a:r>
+              <a:rPr lang="en-US" sz="2600" dirty="0"/>
+              <a:t> is contained in </a:t>
+            </a:r>
+            <a:r>
+              <a:rPr lang="en-US" sz="2600" dirty="0" err="1"/>
+              <a:t>abcd</a:t>
+            </a:r>
+            <a:r>
+              <a:rPr lang="en-US" sz="2600" dirty="0"/>
+              <a:t> and it is on the same position</a:t>
+            </a:r>
+          </a:p>
+          <a:p>
+            <a:pPr lvl="2">
+              <a:lnSpc>
+                <a:spcPct val="100000"/>
+              </a:lnSpc>
+            </a:pPr>
+            <a:r>
+              <a:rPr lang="en-US" sz="2400" dirty="0"/>
+              <a:t>If two such digits exists, the rams are </a:t>
+            </a:r>
+            <a:r>
+              <a:rPr lang="en-US" sz="2400" dirty="0" smtClean="0">
+                <a:latin typeface="Consolas" panose="020B0609020204030204" pitchFamily="49" charset="0"/>
+                <a:cs typeface="Consolas" panose="020B0609020204030204" pitchFamily="49" charset="0"/>
+              </a:rPr>
+              <a:t>2</a:t>
+            </a:r>
+          </a:p>
+          <a:p>
+            <a:pPr lvl="1">
+              <a:lnSpc>
+                <a:spcPct val="100000"/>
+              </a:lnSpc>
+            </a:pPr>
+            <a:r>
+              <a:rPr lang="en-US" sz="2600" dirty="0" smtClean="0"/>
+              <a:t>The game continues until the player guesses the number </a:t>
+            </a:r>
+            <a:r>
+              <a:rPr lang="en-US" sz="2600" dirty="0" err="1" smtClean="0"/>
+              <a:t>abcd</a:t>
+            </a:r>
+            <a:endParaRPr lang="en-US" sz="2600" dirty="0" smtClean="0"/>
+          </a:p>
+          <a:p>
+            <a:pPr lvl="2">
+              <a:lnSpc>
+                <a:spcPct val="100000"/>
+              </a:lnSpc>
+            </a:pPr>
+            <a:r>
+              <a:rPr lang="en-US" sz="2400" dirty="0" smtClean="0"/>
+              <a:t>i.e. has 4 rams</a:t>
+            </a:r>
+          </a:p>
+        </p:txBody>
+      </p:sp>
+    </p:spTree>
+    <p:extLst>
+      <p:ext uri="{BB962C8B-B14F-4D97-AF65-F5344CB8AC3E}">
+        <p14:creationId xmlns:p14="http://schemas.microsoft.com/office/powerpoint/2010/main" val="3132021575"/>
+      </p:ext>
+    </p:extLst>
+  </p:cSld>
+  <p:clrMapOvr>
+    <a:masterClrMapping/>
+  </p:clrMapOvr>
+</p:sld>
+</file>
+
 <file path=ppt/slides/slide3.xml><?xml version="1.0" encoding="utf-8"?>
 <p:sld xmlns:a="http://schemas.openxmlformats.org/drawingml/2006/main" xmlns:r="http://schemas.openxmlformats.org/officeDocument/2006/relationships" xmlns:p="http://schemas.openxmlformats.org/presentationml/2006/main">
   <p:cSld>
@@ -11820,7 +12298,12 @@
             <p:ph idx="1"/>
           </p:nvPr>
         </p:nvSpPr>
-        <p:spPr/>
+        <p:spPr>
+          <a:xfrm>
+            <a:off x="228600" y="609600"/>
+            <a:ext cx="8686800" cy="5791200"/>
+          </a:xfrm>
+        </p:spPr>
         <p:txBody>
           <a:bodyPr/>
           <a:lstStyle/>
